--- a/Retrospective Slide/Team08-Retrospective2_Updated.pptx
+++ b/Retrospective Slide/Team08-Retrospective2_Updated.pptx
@@ -4405,8 +4405,26 @@
                 <a:latin typeface="Arial" panose="020B0604020202020204" pitchFamily="34" charset="0"/>
                 <a:cs typeface="Arial" panose="020B0604020202020204" pitchFamily="34" charset="0"/>
               </a:rPr>
-              <a:t>Diagram</a:t>
-            </a:r>
+              <a:t>Diagram (Passenger </a:t>
+            </a:r>
+            <a:r>
+              <a:rPr lang="mr-IN" sz="2400" dirty="0" smtClean="0">
+                <a:latin typeface="Arial" panose="020B0604020202020204" pitchFamily="34" charset="0"/>
+                <a:cs typeface="Arial" panose="020B0604020202020204" pitchFamily="34" charset="0"/>
+              </a:rPr>
+              <a:t>–</a:t>
+            </a:r>
+            <a:r>
+              <a:rPr lang="en-US" sz="2400" dirty="0" smtClean="0">
+                <a:latin typeface="Arial" panose="020B0604020202020204" pitchFamily="34" charset="0"/>
+                <a:cs typeface="Arial" panose="020B0604020202020204" pitchFamily="34" charset="0"/>
+              </a:rPr>
+              <a:t> Han Solo)</a:t>
+            </a:r>
+            <a:endParaRPr lang="en-US" sz="2400" dirty="0" smtClean="0">
+              <a:latin typeface="Arial" panose="020B0604020202020204" pitchFamily="34" charset="0"/>
+              <a:cs typeface="Arial" panose="020B0604020202020204" pitchFamily="34" charset="0"/>
+            </a:endParaRPr>
           </a:p>
           <a:p>
             <a:r>
@@ -4693,7 +4711,14 @@
                 <a:latin typeface="Arial" panose="020B0604020202020204" pitchFamily="34" charset="0"/>
                 <a:cs typeface="Arial" panose="020B0604020202020204" pitchFamily="34" charset="0"/>
               </a:rPr>
-              <a:t>Sequence Diagram</a:t>
+              <a:t>Sequence </a:t>
+            </a:r>
+            <a:r>
+              <a:rPr lang="en-US" sz="2400" dirty="0" smtClean="0">
+                <a:latin typeface="Arial" panose="020B0604020202020204" pitchFamily="34" charset="0"/>
+                <a:cs typeface="Arial" panose="020B0604020202020204" pitchFamily="34" charset="0"/>
+              </a:rPr>
+              <a:t>Diagram (Guest -  Rey)</a:t>
             </a:r>
             <a:endParaRPr lang="en-US" sz="3200" dirty="0">
               <a:latin typeface="Arial" panose="020B0604020202020204" pitchFamily="34" charset="0"/>
@@ -4982,8 +5007,35 @@
                 <a:latin typeface="Arial" panose="020B0604020202020204" pitchFamily="34" charset="0"/>
                 <a:cs typeface="Arial" panose="020B0604020202020204" pitchFamily="34" charset="0"/>
               </a:rPr>
-              <a:t>Diagram</a:t>
-            </a:r>
+              <a:t>Diagram (Crew - </a:t>
+            </a:r>
+            <a:r>
+              <a:rPr lang="en-US" sz="2400" b="1" dirty="0"/>
+              <a:t>Poe</a:t>
+            </a:r>
+            <a:r>
+              <a:rPr lang="en-US" sz="2400" dirty="0"/>
+              <a:t> </a:t>
+            </a:r>
+            <a:r>
+              <a:rPr lang="en-US" sz="2400" dirty="0" err="1" smtClean="0"/>
+              <a:t>Dameron</a:t>
+            </a:r>
+            <a:r>
+              <a:rPr lang="en-US" sz="2400" dirty="0" smtClean="0"/>
+              <a:t>(Pilot)</a:t>
+            </a:r>
+            <a:r>
+              <a:rPr lang="en-US" sz="2400" dirty="0" smtClean="0">
+                <a:latin typeface="Arial" panose="020B0604020202020204" pitchFamily="34" charset="0"/>
+                <a:cs typeface="Arial" panose="020B0604020202020204" pitchFamily="34" charset="0"/>
+              </a:rPr>
+              <a:t> )</a:t>
+            </a:r>
+            <a:endParaRPr lang="en-US" sz="2400" dirty="0" smtClean="0">
+              <a:latin typeface="Arial" panose="020B0604020202020204" pitchFamily="34" charset="0"/>
+              <a:cs typeface="Arial" panose="020B0604020202020204" pitchFamily="34" charset="0"/>
+            </a:endParaRPr>
           </a:p>
           <a:p>
             <a:r>
@@ -6747,7 +6799,7 @@
         <p:spPr>
           <a:xfrm>
             <a:off x="653143" y="2237014"/>
-            <a:ext cx="9029700" cy="3600986"/>
+            <a:ext cx="9029700" cy="4062651"/>
           </a:xfrm>
           <a:prstGeom prst="rect">
             <a:avLst/>
@@ -6768,10 +6820,30 @@
                 <a:latin typeface="Arial" panose="020B0604020202020204" pitchFamily="34" charset="0"/>
                 <a:cs typeface="Arial" panose="020B0604020202020204" pitchFamily="34" charset="0"/>
               </a:rPr>
-              <a:t>This project is based on a crew scheduling system for Cornhusker Airways (CHA ) that performs various tasks for different levels of administrators. It enables CHA to keep track of employees who are scheduled to be on the aircraft. CHA operates two types of aircrafts GBR-10 and NU-150 with capacity of 45 passengers and 75 passengers respectively. There are different authorization protocols for different administrative positions like qualified Captain, first Officer, flight attendant.</a:t>
-            </a:r>
-          </a:p>
-          <a:p>
+              <a:t>This project is based on a crew scheduling system for Cornhusker Airways (CHA ) that performs various tasks for different levels of administrators. It enables CHA to keep track of employees who are scheduled to be on the aircraft. CHA operates two types of aircrafts GBR-10 and NU-150 with capacity of 45 passengers and 75 passengers respectively. There are different authorization protocols for different administrative positions like qualified Captain, first Officer, flight attendant</a:t>
+            </a:r>
+            <a:r>
+              <a:rPr lang="en-US" sz="2400" dirty="0" smtClean="0">
+                <a:latin typeface="Arial" panose="020B0604020202020204" pitchFamily="34" charset="0"/>
+                <a:cs typeface="Arial" panose="020B0604020202020204" pitchFamily="34" charset="0"/>
+              </a:rPr>
+              <a:t>.</a:t>
+            </a:r>
+          </a:p>
+          <a:p>
+            <a:endParaRPr lang="en-US" sz="2400" dirty="0">
+              <a:latin typeface="Arial" panose="020B0604020202020204" pitchFamily="34" charset="0"/>
+              <a:cs typeface="Arial" panose="020B0604020202020204" pitchFamily="34" charset="0"/>
+            </a:endParaRPr>
+          </a:p>
+          <a:p>
+            <a:r>
+              <a:rPr lang="en-US" sz="2400" dirty="0" smtClean="0">
+                <a:latin typeface="Arial" panose="020B0604020202020204" pitchFamily="34" charset="0"/>
+                <a:cs typeface="Arial" panose="020B0604020202020204" pitchFamily="34" charset="0"/>
+              </a:rPr>
+              <a:t>Platform -  Web and phone application</a:t>
+            </a:r>
             <a:r>
               <a:rPr lang="en-US" dirty="0"/>
               <a:t/>
